--- a/slides/session13.pptx
+++ b/slides/session13.pptx
@@ -5749,18 +5749,35 @@
                 <a:latin typeface="Gill Sans"/>
                 <a:cs typeface="Gill Sans"/>
               </a:rPr>
-              <a:t>Wednesday, April 30, </a:t>
-            </a:r>
-            <a:r>
-              <a:rPr lang="en-US" sz="2400" b="0" kern="0" dirty="0" smtClean="0">
+              <a:t>Wednesday, April 30</a:t>
+            </a:r>
+            <a:r>
+              <a:rPr lang="en-US" sz="2400" b="0" kern="0" smtClean="0">
                 <a:solidFill>
                   <a:schemeClr val="bg1"/>
                 </a:solidFill>
                 <a:latin typeface="Gill Sans"/>
                 <a:cs typeface="Gill Sans"/>
               </a:rPr>
-              <a:t>2013</a:t>
-            </a:r>
+              <a:t>, </a:t>
+            </a:r>
+            <a:r>
+              <a:rPr lang="en-US" sz="2400" b="0" kern="0" smtClean="0">
+                <a:solidFill>
+                  <a:schemeClr val="bg1"/>
+                </a:solidFill>
+                <a:latin typeface="Gill Sans"/>
+                <a:cs typeface="Gill Sans"/>
+              </a:rPr>
+              <a:t>2014</a:t>
+            </a:r>
+            <a:endParaRPr lang="en-US" sz="2400" b="0" kern="0" dirty="0" smtClean="0">
+              <a:solidFill>
+                <a:schemeClr val="bg1"/>
+              </a:solidFill>
+              <a:latin typeface="Gill Sans"/>
+              <a:cs typeface="Gill Sans"/>
+            </a:endParaRPr>
           </a:p>
         </p:txBody>
       </p:sp>
@@ -5801,27 +5818,7 @@
                 <a:latin typeface="Gill Sans"/>
                 <a:cs typeface="Gill Sans"/>
               </a:rPr>
-              <a:t>Session </a:t>
-            </a:r>
-            <a:r>
-              <a:rPr lang="en-US" sz="3600" dirty="0" smtClean="0">
-                <a:solidFill>
-                  <a:schemeClr val="bg1"/>
-                </a:solidFill>
-                <a:latin typeface="Gill Sans"/>
-                <a:cs typeface="Gill Sans"/>
-              </a:rPr>
-              <a:t>13: </a:t>
-            </a:r>
-            <a:r>
-              <a:rPr lang="en-US" sz="3600" dirty="0" smtClean="0">
-                <a:solidFill>
-                  <a:schemeClr val="bg1"/>
-                </a:solidFill>
-                <a:latin typeface="Gill Sans"/>
-                <a:cs typeface="Gill Sans"/>
-              </a:rPr>
-              <a:t>Developing and Managing Technology</a:t>
+              <a:t>Session 13: Developing and Managing Technology</a:t>
             </a:r>
             <a:endParaRPr lang="en-US" sz="2400" b="0" dirty="0">
               <a:solidFill>
